--- a/rough/reports/Images/EnsembleFramework.pptx
+++ b/rough/reports/Images/EnsembleFramework.pptx
@@ -259,7 +259,7 @@
           <a:p>
             <a:fld id="{1C24856A-A816-4944-9CF1-0FCAF3DD1C20}" type="datetimeFigureOut">
               <a:rPr lang="en-US" smtClean="0"/>
-              <a:t>1/18/21</a:t>
+              <a:t>2/19/21</a:t>
             </a:fld>
             <a:endParaRPr lang="en-US"/>
           </a:p>
@@ -457,7 +457,7 @@
           <a:p>
             <a:fld id="{1C24856A-A816-4944-9CF1-0FCAF3DD1C20}" type="datetimeFigureOut">
               <a:rPr lang="en-US" smtClean="0"/>
-              <a:t>1/18/21</a:t>
+              <a:t>2/19/21</a:t>
             </a:fld>
             <a:endParaRPr lang="en-US"/>
           </a:p>
@@ -665,7 +665,7 @@
           <a:p>
             <a:fld id="{1C24856A-A816-4944-9CF1-0FCAF3DD1C20}" type="datetimeFigureOut">
               <a:rPr lang="en-US" smtClean="0"/>
-              <a:t>1/18/21</a:t>
+              <a:t>2/19/21</a:t>
             </a:fld>
             <a:endParaRPr lang="en-US"/>
           </a:p>
@@ -863,7 +863,7 @@
           <a:p>
             <a:fld id="{1C24856A-A816-4944-9CF1-0FCAF3DD1C20}" type="datetimeFigureOut">
               <a:rPr lang="en-US" smtClean="0"/>
-              <a:t>1/18/21</a:t>
+              <a:t>2/19/21</a:t>
             </a:fld>
             <a:endParaRPr lang="en-US"/>
           </a:p>
@@ -1138,7 +1138,7 @@
           <a:p>
             <a:fld id="{1C24856A-A816-4944-9CF1-0FCAF3DD1C20}" type="datetimeFigureOut">
               <a:rPr lang="en-US" smtClean="0"/>
-              <a:t>1/18/21</a:t>
+              <a:t>2/19/21</a:t>
             </a:fld>
             <a:endParaRPr lang="en-US"/>
           </a:p>
@@ -1403,7 +1403,7 @@
           <a:p>
             <a:fld id="{1C24856A-A816-4944-9CF1-0FCAF3DD1C20}" type="datetimeFigureOut">
               <a:rPr lang="en-US" smtClean="0"/>
-              <a:t>1/18/21</a:t>
+              <a:t>2/19/21</a:t>
             </a:fld>
             <a:endParaRPr lang="en-US"/>
           </a:p>
@@ -1815,7 +1815,7 @@
           <a:p>
             <a:fld id="{1C24856A-A816-4944-9CF1-0FCAF3DD1C20}" type="datetimeFigureOut">
               <a:rPr lang="en-US" smtClean="0"/>
-              <a:t>1/18/21</a:t>
+              <a:t>2/19/21</a:t>
             </a:fld>
             <a:endParaRPr lang="en-US"/>
           </a:p>
@@ -1956,7 +1956,7 @@
           <a:p>
             <a:fld id="{1C24856A-A816-4944-9CF1-0FCAF3DD1C20}" type="datetimeFigureOut">
               <a:rPr lang="en-US" smtClean="0"/>
-              <a:t>1/18/21</a:t>
+              <a:t>2/19/21</a:t>
             </a:fld>
             <a:endParaRPr lang="en-US"/>
           </a:p>
@@ -2069,7 +2069,7 @@
           <a:p>
             <a:fld id="{1C24856A-A816-4944-9CF1-0FCAF3DD1C20}" type="datetimeFigureOut">
               <a:rPr lang="en-US" smtClean="0"/>
-              <a:t>1/18/21</a:t>
+              <a:t>2/19/21</a:t>
             </a:fld>
             <a:endParaRPr lang="en-US"/>
           </a:p>
@@ -2380,7 +2380,7 @@
           <a:p>
             <a:fld id="{1C24856A-A816-4944-9CF1-0FCAF3DD1C20}" type="datetimeFigureOut">
               <a:rPr lang="en-US" smtClean="0"/>
-              <a:t>1/18/21</a:t>
+              <a:t>2/19/21</a:t>
             </a:fld>
             <a:endParaRPr lang="en-US"/>
           </a:p>
@@ -2668,7 +2668,7 @@
           <a:p>
             <a:fld id="{1C24856A-A816-4944-9CF1-0FCAF3DD1C20}" type="datetimeFigureOut">
               <a:rPr lang="en-US" smtClean="0"/>
-              <a:t>1/18/21</a:t>
+              <a:t>2/19/21</a:t>
             </a:fld>
             <a:endParaRPr lang="en-US"/>
           </a:p>
@@ -2909,7 +2909,7 @@
           <a:p>
             <a:fld id="{1C24856A-A816-4944-9CF1-0FCAF3DD1C20}" type="datetimeFigureOut">
               <a:rPr lang="en-US" smtClean="0"/>
-              <a:t>1/18/21</a:t>
+              <a:t>2/19/21</a:t>
             </a:fld>
             <a:endParaRPr lang="en-US"/>
           </a:p>
@@ -3594,7 +3594,7 @@
                 <a:pPr algn="ctr"/>
                 <a:r>
                   <a:rPr lang="en-US" dirty="0"/>
-                  <a:t>Base Model 3</a:t>
+                  <a:t>Base Model n</a:t>
                 </a:r>
               </a:p>
             </p:txBody>
@@ -4380,7 +4380,89 @@
             <a:pPr algn="ctr"/>
             <a:r>
               <a:rPr lang="en-US" dirty="0"/>
-              <a:t>Feature Extraction Technique 3</a:t>
+              <a:t>Feature Extraction Technique n</a:t>
+            </a:r>
+          </a:p>
+        </p:txBody>
+      </p:sp>
+      <p:sp>
+        <p:nvSpPr>
+          <p:cNvPr id="4" name="TextBox 3">
+            <a:extLst>
+              <a:ext uri="{FF2B5EF4-FFF2-40B4-BE49-F238E27FC236}">
+                <a16:creationId xmlns:a16="http://schemas.microsoft.com/office/drawing/2014/main" id="{9E71218E-EF9E-0F44-9602-9A04FE09CBDE}"/>
+              </a:ext>
+            </a:extLst>
+          </p:cNvPr>
+          <p:cNvSpPr txBox="1"/>
+          <p:nvPr/>
+        </p:nvSpPr>
+        <p:spPr>
+          <a:xfrm>
+            <a:off x="3282460" y="3563816"/>
+            <a:ext cx="246185" cy="646331"/>
+          </a:xfrm>
+          <a:prstGeom prst="rect">
+            <a:avLst/>
+          </a:prstGeom>
+          <a:noFill/>
+        </p:spPr>
+        <p:txBody>
+          <a:bodyPr wrap="square" rtlCol="0">
+            <a:spAutoFit/>
+          </a:bodyPr>
+          <a:lstStyle/>
+          <a:p>
+            <a:r>
+              <a:rPr lang="en-US" b="1" dirty="0"/>
+              <a:t>.</a:t>
+            </a:r>
+          </a:p>
+          <a:p>
+            <a:r>
+              <a:rPr lang="en-US" b="1" dirty="0"/>
+              <a:t>.</a:t>
+            </a:r>
+          </a:p>
+        </p:txBody>
+      </p:sp>
+      <p:sp>
+        <p:nvSpPr>
+          <p:cNvPr id="29" name="TextBox 28">
+            <a:extLst>
+              <a:ext uri="{FF2B5EF4-FFF2-40B4-BE49-F238E27FC236}">
+                <a16:creationId xmlns:a16="http://schemas.microsoft.com/office/drawing/2014/main" id="{3576D6E5-BEF0-C345-A76C-F7D70323330C}"/>
+              </a:ext>
+            </a:extLst>
+          </p:cNvPr>
+          <p:cNvSpPr txBox="1"/>
+          <p:nvPr/>
+        </p:nvSpPr>
+        <p:spPr>
+          <a:xfrm>
+            <a:off x="6050571" y="3563815"/>
+            <a:ext cx="246185" cy="646331"/>
+          </a:xfrm>
+          <a:prstGeom prst="rect">
+            <a:avLst/>
+          </a:prstGeom>
+          <a:noFill/>
+        </p:spPr>
+        <p:txBody>
+          <a:bodyPr wrap="square" rtlCol="0">
+            <a:spAutoFit/>
+          </a:bodyPr>
+          <a:lstStyle/>
+          <a:p>
+            <a:r>
+              <a:rPr lang="en-US" b="1" dirty="0"/>
+              <a:t>.</a:t>
+            </a:r>
+          </a:p>
+          <a:p>
+            <a:r>
+              <a:rPr lang="en-US" b="1" dirty="0"/>
+              <a:t>.</a:t>
             </a:r>
           </a:p>
         </p:txBody>
